--- a/COMP270/07/2020-21-COMP270-07-lecture-materials-3.pptx
+++ b/COMP270/07/2020-21-COMP270-07-lecture-materials-3.pptx
@@ -221,7 +221,7 @@
           <a:p>
             <a:fld id="{59088EAF-6ECA-4616-85EF-35AA19C641F3}" type="datetimeFigureOut">
               <a:rPr lang="en-US"/>
-              <a:t>10/23/2020</a:t>
+              <a:t>10/25/2020</a:t>
             </a:fld>
             <a:endParaRPr/>
           </a:p>
@@ -386,7 +386,7 @@
           <a:p>
             <a:fld id="{3ABD2D7A-D230-4F91-BD59-0A39C2703BA8}" type="datetimeFigureOut">
               <a:rPr lang="en-US"/>
-              <a:t>10/23/2020</a:t>
+              <a:t>10/25/2020</a:t>
             </a:fld>
             <a:endParaRPr/>
           </a:p>
@@ -694,7 +694,7 @@
           <a:p>
             <a:r>
               <a:rPr lang="en-GB" dirty="0"/>
-              <a:t>This is just a short video to introduce the idea of a camera model, which is</a:t>
+              <a:t>This part of the lecture is just a short section to introduce the idea of a camera model, which is</a:t>
             </a:r>
           </a:p>
         </p:txBody>
@@ -781,7 +781,7 @@
           <a:p>
             <a:r>
               <a:rPr lang="en-GB" dirty="0"/>
-              <a:t>the basis of how we can project 3D scenes onto a 2D viewing surface, using the vector operations and intersection tests that we’ve covered so far.</a:t>
+              <a:t>the basis of how we can project 3D scenes onto a 2D viewing surface, using the vector operations and intersection tests that we’ve covered so far in a process known as ray-casting, which isn’t the most sophisticated or the most efficient kind of projection, but it’s quite intuitive as it mimics the real-world interactions of light to some extent.</a:t>
             </a:r>
           </a:p>
         </p:txBody>
@@ -866,6 +866,72 @@
           <a:bodyPr/>
           <a:lstStyle/>
           <a:p>
+            <a:r>
+              <a:rPr lang="en-GB" dirty="0"/>
+              <a:t>We start with our three axes, as usual; you might notice they’re in a slightly different configuration from how I’ve been drawing them before, which is something we’ll be looking at in the next video. These axes define a space, or a scene, into which we</a:t>
+            </a:r>
+          </a:p>
+          <a:p>
+            <a:endParaRPr lang="en-GB" dirty="0"/>
+          </a:p>
+          <a:p>
+            <a:r>
+              <a:rPr lang="en-GB" dirty="0"/>
+              <a:t>Add our objects. Right now we’re not really interested in how we put them there or how they’re oriented – that’s the topic of next week’s content; what we’re interested in for the moment is how we can see them on our screen. The first thing we need to define is where we’re looking from, which is represented by a</a:t>
+            </a:r>
+          </a:p>
+          <a:p>
+            <a:endParaRPr lang="en-GB" dirty="0"/>
+          </a:p>
+          <a:p>
+            <a:r>
+              <a:rPr lang="en-GB" dirty="0"/>
+              <a:t>Point in space known as the centre of projection, or viewpoint, which is often associated with some kind of camera object; putting this on the z axis like this is fairly common practice as it presents the x and y axes the way we’re used to drawing them for graphs. Now we need to know what kind of 2D image to create that would appear to an observer as if they were viewing the scene through their 2D computer screen, so we also create a virtual counterpart of the screen,</a:t>
+            </a:r>
+          </a:p>
+          <a:p>
+            <a:endParaRPr lang="en-GB" dirty="0"/>
+          </a:p>
+          <a:p>
+            <a:r>
+              <a:rPr lang="en-GB" dirty="0"/>
+              <a:t>Called the view plane, which is just a plane oriented at right angles to the viewing direction. The view plane is</a:t>
+            </a:r>
+          </a:p>
+          <a:p>
+            <a:endParaRPr lang="en-GB" dirty="0"/>
+          </a:p>
+          <a:p>
+            <a:r>
+              <a:rPr lang="en-GB" dirty="0"/>
+              <a:t>divided into elements, or cells – you could call them pixels as they will be the elements of your picture, though they’re not necessarily the same as the pixels on your screen. Their size is controlled by the resolution of the image you want to create: if you divide the dimension of the viewing plane by the resolution, or number of cells in each direction, you can find the dimension of the cells. The bigger the cells, the faster the scene will render, but the less detail it will have, as each cell is given a single colour based on the objects that are visible through it from the centre of projection. The way we determine which objects these are is by emulating the paths of rays of light as they travel from the objects to the observer – though since we don’t really know where on the objects’ surfaces these rays would start from, we trace the paths backwards,</a:t>
+            </a:r>
+          </a:p>
+          <a:p>
+            <a:endParaRPr lang="en-GB" dirty="0"/>
+          </a:p>
+          <a:p>
+            <a:r>
+              <a:rPr lang="en-GB" dirty="0"/>
+              <a:t>Casting rays </a:t>
+            </a:r>
+            <a:r>
+              <a:rPr lang="en-GB" i="1" dirty="0"/>
+              <a:t>from</a:t>
+            </a:r>
+            <a:r>
+              <a:rPr lang="en-GB" i="0" dirty="0"/>
+              <a:t> the viewpoint through the view plane, vaguely towards the objects in the scene. If we create one ray per cell, then it makes sense to send it</a:t>
+            </a:r>
+          </a:p>
+          <a:p>
+            <a:endParaRPr lang="en-GB" i="0" dirty="0"/>
+          </a:p>
+          <a:p>
+            <a:r>
+              <a:rPr lang="en-GB" i="0" dirty="0"/>
+              <a:t>Through the centre of the cell, which we can find based on the size of the cells and the position of the view plane in space, and then subtract the position of the centre of projection to get the direction. There are more accurate techniques such as path-tracing that send multiple rays through each pixel, but they’re much more computationally intensive. These rays here aren’t doing much,</a:t>
+            </a:r>
             <a:endParaRPr lang="en-GB" dirty="0"/>
           </a:p>
         </p:txBody>
@@ -950,7 +1016,37 @@
           <a:bodyPr/>
           <a:lstStyle/>
           <a:p>
+            <a:r>
+              <a:rPr lang="en-GB" dirty="0"/>
+              <a:t>But eventually,</a:t>
+            </a:r>
+          </a:p>
+          <a:p>
             <a:endParaRPr lang="en-GB" dirty="0"/>
+          </a:p>
+          <a:p>
+            <a:r>
+              <a:rPr lang="en-GB" dirty="0"/>
+              <a:t>we’ll get to one that intersects with an object (which we can tell using the intersection tests we looked at earlier),</a:t>
+            </a:r>
+          </a:p>
+          <a:p>
+            <a:endParaRPr lang="en-GB" dirty="0"/>
+          </a:p>
+          <a:p>
+            <a:r>
+              <a:rPr lang="en-GB" dirty="0"/>
+              <a:t>So we now colour that cell to match the object.</a:t>
+            </a:r>
+          </a:p>
+          <a:p>
+            <a:endParaRPr lang="en-GB" dirty="0"/>
+          </a:p>
+          <a:p>
+            <a:r>
+              <a:rPr lang="en-GB" dirty="0"/>
+              <a:t>And we keep doing that until we’ve sent rays through all of the cells and coloured them appropriately. We can vary the image that appears slightly,</a:t>
+            </a:r>
           </a:p>
         </p:txBody>
       </p:sp>
@@ -1036,7 +1132,16 @@
           <a:p>
             <a:r>
               <a:rPr lang="en-GB" dirty="0"/>
-              <a:t>This is a pretty limited way of observing the scene – we’re tied to a particular viewpoint when really we’d like to be able to move around and see the scene from different angles. To do this, we need to use matrices, which we’ll look at next week; before we get to that, the last part of this lecture examines the concept of coordinate spaces, which is something we’ve touched on previously but not really explained, and is crucial to being able to deal with multiple objects moving relative to one another.</a:t>
+              <a:t>By moving the view plane along the z axis so that we get a basic zoom effect, with the rays from the centre of projection to the object passing through different parts of the view plane, so the objects take up more or less space on the screen.</a:t>
+            </a:r>
+          </a:p>
+          <a:p>
+            <a:endParaRPr lang="en-GB" dirty="0"/>
+          </a:p>
+          <a:p>
+            <a:r>
+              <a:rPr lang="en-GB" dirty="0"/>
+              <a:t>But this is a pretty limited way of observing the scene – we’re tied to a particular viewpoint when really we’d like to be able to move around and see the scene from different angles. To do this, we need to use matrices, which we’ll look at next week; before we get to that, the last part of this lecture examines the concept of coordinate spaces, which is something we’ve touched on previously but not really explained, and is crucial to being able to deal with multiple objects moving relative to one another.</a:t>
             </a:r>
           </a:p>
         </p:txBody>
@@ -1424,7 +1529,7 @@
           <a:p>
             <a:fld id="{03F41C87-7AD9-4845-A077-840E4A0F3F06}" type="datetimeFigureOut">
               <a:rPr lang="en-US"/>
-              <a:t>10/23/2020</a:t>
+              <a:t>10/25/2020</a:t>
             </a:fld>
             <a:endParaRPr/>
           </a:p>
@@ -1616,7 +1721,7 @@
           <a:p>
             <a:fld id="{03F41C87-7AD9-4845-A077-840E4A0F3F06}" type="datetimeFigureOut">
               <a:rPr lang="en-US"/>
-              <a:t>10/23/2020</a:t>
+              <a:t>10/25/2020</a:t>
             </a:fld>
             <a:endParaRPr/>
           </a:p>
@@ -1838,7 +1943,7 @@
           <a:p>
             <a:fld id="{03F41C87-7AD9-4845-A077-840E4A0F3F06}" type="datetimeFigureOut">
               <a:rPr lang="en-US"/>
-              <a:t>10/23/2020</a:t>
+              <a:t>10/25/2020</a:t>
             </a:fld>
             <a:endParaRPr/>
           </a:p>
@@ -2118,7 +2223,7 @@
           <a:p>
             <a:fld id="{03F41C87-7AD9-4845-A077-840E4A0F3F06}" type="datetimeFigureOut">
               <a:rPr lang="en-US"/>
-              <a:t>10/23/2020</a:t>
+              <a:t>10/25/2020</a:t>
             </a:fld>
             <a:endParaRPr/>
           </a:p>
@@ -2422,7 +2527,7 @@
           <a:p>
             <a:fld id="{03F41C87-7AD9-4845-A077-840E4A0F3F06}" type="datetimeFigureOut">
               <a:rPr lang="en-US"/>
-              <a:t>10/23/2020</a:t>
+              <a:t>10/25/2020</a:t>
             </a:fld>
             <a:endParaRPr/>
           </a:p>
@@ -2878,7 +2983,7 @@
           <a:p>
             <a:fld id="{03F41C87-7AD9-4845-A077-840E4A0F3F06}" type="datetimeFigureOut">
               <a:rPr lang="en-US"/>
-              <a:t>10/23/2020</a:t>
+              <a:t>10/25/2020</a:t>
             </a:fld>
             <a:endParaRPr/>
           </a:p>
@@ -3008,7 +3113,7 @@
           <a:p>
             <a:fld id="{03F41C87-7AD9-4845-A077-840E4A0F3F06}" type="datetimeFigureOut">
               <a:rPr lang="en-US"/>
-              <a:t>10/23/2020</a:t>
+              <a:t>10/25/2020</a:t>
             </a:fld>
             <a:endParaRPr/>
           </a:p>
@@ -3123,7 +3228,7 @@
           <a:p>
             <a:fld id="{03F41C87-7AD9-4845-A077-840E4A0F3F06}" type="datetimeFigureOut">
               <a:rPr lang="en-US"/>
-              <a:t>10/23/2020</a:t>
+              <a:t>10/25/2020</a:t>
             </a:fld>
             <a:endParaRPr/>
           </a:p>
@@ -3445,7 +3550,7 @@
           <a:p>
             <a:fld id="{03F41C87-7AD9-4845-A077-840E4A0F3F06}" type="datetimeFigureOut">
               <a:rPr lang="en-US"/>
-              <a:t>10/23/2020</a:t>
+              <a:t>10/25/2020</a:t>
             </a:fld>
             <a:endParaRPr/>
           </a:p>
@@ -3757,7 +3862,7 @@
             <a:fld id="{03F41C87-7AD9-4845-A077-840E4A0F3F06}" type="datetimeFigureOut">
               <a:rPr lang="en-US"/>
               <a:pPr/>
-              <a:t>10/23/2020</a:t>
+              <a:t>10/25/2020</a:t>
             </a:fld>
             <a:endParaRPr/>
           </a:p>
@@ -4011,7 +4116,7 @@
             <a:fld id="{03F41C87-7AD9-4845-A077-840E4A0F3F06}" type="datetimeFigureOut">
               <a:rPr lang="en-US" smtClean="0"/>
               <a:pPr/>
-              <a:t>10/23/2020</a:t>
+              <a:t>10/25/2020</a:t>
             </a:fld>
             <a:endParaRPr lang="en-US"/>
           </a:p>
@@ -4807,8 +4912,8 @@
             </a:fontRef>
           </p:style>
         </p:cxnSp>
-        <mc:AlternateContent xmlns:mc="http://schemas.openxmlformats.org/markup-compatibility/2006">
-          <mc:Choice xmlns:a14="http://schemas.microsoft.com/office/drawing/2010/main" Requires="a14">
+        <mc:AlternateContent xmlns:mc="http://schemas.openxmlformats.org/markup-compatibility/2006" xmlns:a14="http://schemas.microsoft.com/office/drawing/2010/main">
+          <mc:Choice Requires="a14">
             <p:sp>
               <p:nvSpPr>
                 <p:cNvPr id="46" name="TextBox 45">
@@ -4862,7 +4967,7 @@
               </p:txBody>
             </p:sp>
           </mc:Choice>
-          <mc:Fallback>
+          <mc:Fallback xmlns="">
             <p:sp>
               <p:nvSpPr>
                 <p:cNvPr id="46" name="TextBox 45">
@@ -4907,8 +5012,8 @@
             </p:sp>
           </mc:Fallback>
         </mc:AlternateContent>
-        <mc:AlternateContent xmlns:mc="http://schemas.openxmlformats.org/markup-compatibility/2006">
-          <mc:Choice xmlns:a14="http://schemas.microsoft.com/office/drawing/2010/main" Requires="a14">
+        <mc:AlternateContent xmlns:mc="http://schemas.openxmlformats.org/markup-compatibility/2006" xmlns:a14="http://schemas.microsoft.com/office/drawing/2010/main">
+          <mc:Choice Requires="a14">
             <p:sp>
               <p:nvSpPr>
                 <p:cNvPr id="47" name="TextBox 46">
@@ -4968,7 +5073,7 @@
               </p:txBody>
             </p:sp>
           </mc:Choice>
-          <mc:Fallback>
+          <mc:Fallback xmlns="">
             <p:sp>
               <p:nvSpPr>
                 <p:cNvPr id="47" name="TextBox 46">
@@ -5059,8 +5164,8 @@
             </a:fontRef>
           </p:style>
         </p:cxnSp>
-        <mc:AlternateContent xmlns:mc="http://schemas.openxmlformats.org/markup-compatibility/2006">
-          <mc:Choice xmlns:a14="http://schemas.microsoft.com/office/drawing/2010/main" Requires="a14">
+        <mc:AlternateContent xmlns:mc="http://schemas.openxmlformats.org/markup-compatibility/2006" xmlns:a14="http://schemas.microsoft.com/office/drawing/2010/main">
+          <mc:Choice Requires="a14">
             <p:sp>
               <p:nvSpPr>
                 <p:cNvPr id="49" name="TextBox 48">
@@ -5114,7 +5219,7 @@
               </p:txBody>
             </p:sp>
           </mc:Choice>
-          <mc:Fallback>
+          <mc:Fallback xmlns="">
             <p:sp>
               <p:nvSpPr>
                 <p:cNvPr id="49" name="TextBox 48">
@@ -6332,14 +6437,14 @@
         </p:nvGrpSpPr>
         <p:grpSpPr>
           <a:xfrm>
-            <a:off x="3654324" y="2845668"/>
-            <a:ext cx="677083" cy="523220"/>
-            <a:chOff x="6642906" y="4356586"/>
-            <a:chExt cx="677083" cy="523220"/>
+            <a:off x="3662871" y="2870594"/>
+            <a:ext cx="613404" cy="523220"/>
+            <a:chOff x="6942894" y="4697829"/>
+            <a:chExt cx="613404" cy="523220"/>
           </a:xfrm>
         </p:grpSpPr>
-        <mc:AlternateContent xmlns:mc="http://schemas.openxmlformats.org/markup-compatibility/2006" xmlns:a14="http://schemas.microsoft.com/office/drawing/2010/main">
-          <mc:Choice Requires="a14">
+        <mc:AlternateContent xmlns:mc="http://schemas.openxmlformats.org/markup-compatibility/2006">
+          <mc:Choice xmlns:a14="http://schemas.microsoft.com/office/drawing/2010/main" Requires="a14">
             <p:sp>
               <p:nvSpPr>
                 <p:cNvPr id="76" name="TextBox 75">
@@ -6354,7 +6459,7 @@
               </p:nvSpPr>
               <p:spPr>
                 <a:xfrm>
-                  <a:off x="6710783" y="4356586"/>
+                  <a:off x="6947092" y="4697829"/>
                   <a:ext cx="609206" cy="523220"/>
                 </a:xfrm>
                 <a:prstGeom prst="rect">
@@ -6417,7 +6522,7 @@
               </p:txBody>
             </p:sp>
           </mc:Choice>
-          <mc:Fallback xmlns="">
+          <mc:Fallback>
             <p:sp>
               <p:nvSpPr>
                 <p:cNvPr id="76" name="TextBox 75">
@@ -6434,7 +6539,7 @@
               </p:nvSpPr>
               <p:spPr>
                 <a:xfrm>
-                  <a:off x="6710783" y="4356586"/>
+                  <a:off x="6947092" y="4697829"/>
                   <a:ext cx="609206" cy="523220"/>
                 </a:xfrm>
                 <a:prstGeom prst="rect">
@@ -6476,7 +6581,7 @@
           </p:nvSpPr>
           <p:spPr>
             <a:xfrm flipV="1">
-              <a:off x="6642906" y="4587896"/>
+              <a:off x="6942894" y="4888716"/>
               <a:ext cx="72000" cy="72000"/>
             </a:xfrm>
             <a:prstGeom prst="ellipse">
@@ -6515,8 +6620,8 @@
           </p:txBody>
         </p:sp>
       </p:grpSp>
-      <mc:AlternateContent xmlns:mc="http://schemas.openxmlformats.org/markup-compatibility/2006" xmlns:a14="http://schemas.microsoft.com/office/drawing/2010/main">
-        <mc:Choice Requires="a14">
+      <mc:AlternateContent xmlns:mc="http://schemas.openxmlformats.org/markup-compatibility/2006">
+        <mc:Choice xmlns:a14="http://schemas.microsoft.com/office/drawing/2010/main" Requires="a14">
           <p:sp>
             <p:nvSpPr>
               <p:cNvPr id="79" name="Speech Bubble: Rectangle 78">
@@ -6535,12 +6640,12 @@
             <p:spPr>
               <a:xfrm>
                 <a:off x="6419437" y="562354"/>
-                <a:ext cx="4120581" cy="1061458"/>
+                <a:ext cx="3995455" cy="1061458"/>
               </a:xfrm>
               <a:prstGeom prst="wedgeRectCallout">
                 <a:avLst>
-                  <a:gd name="adj1" fmla="val -76675"/>
-                  <a:gd name="adj2" fmla="val 76694"/>
+                  <a:gd name="adj1" fmla="val -86581"/>
+                  <a:gd name="adj2" fmla="val 134553"/>
                 </a:avLst>
               </a:prstGeom>
               <a:solidFill>
@@ -6595,7 +6700,7 @@
                       <a:schemeClr val="tx1"/>
                     </a:solidFill>
                   </a:rPr>
-                  <a:t>Direction of ray through ‘pixel’ </a:t>
+                  <a:t>Direction of ray through cell </a:t>
                 </a:r>
                 <a14:m>
                   <m:oMath xmlns:m="http://schemas.openxmlformats.org/officeDocument/2006/math">
@@ -6683,7 +6788,7 @@
             </p:txBody>
           </p:sp>
         </mc:Choice>
-        <mc:Fallback xmlns="">
+        <mc:Fallback>
           <p:sp>
             <p:nvSpPr>
               <p:cNvPr id="79" name="Speech Bubble: Rectangle 78">
@@ -6704,12 +6809,12 @@
             <p:spPr>
               <a:xfrm>
                 <a:off x="6419437" y="562354"/>
-                <a:ext cx="4120581" cy="1061458"/>
+                <a:ext cx="3995455" cy="1061458"/>
               </a:xfrm>
               <a:prstGeom prst="wedgeRectCallout">
                 <a:avLst>
-                  <a:gd name="adj1" fmla="val -76675"/>
-                  <a:gd name="adj2" fmla="val 76694"/>
+                  <a:gd name="adj1" fmla="val -86581"/>
+                  <a:gd name="adj2" fmla="val 134553"/>
                 </a:avLst>
               </a:prstGeom>
               <a:blipFill>
@@ -6744,8 +6849,8 @@
           </p:sp>
         </mc:Fallback>
       </mc:AlternateContent>
-      <mc:AlternateContent xmlns:mc="http://schemas.openxmlformats.org/markup-compatibility/2006" xmlns:a14="http://schemas.microsoft.com/office/drawing/2010/main">
-        <mc:Choice Requires="a14">
+      <mc:AlternateContent xmlns:mc="http://schemas.openxmlformats.org/markup-compatibility/2006">
+        <mc:Choice xmlns:a14="http://schemas.microsoft.com/office/drawing/2010/main" Requires="a14">
           <p:sp>
             <p:nvSpPr>
               <p:cNvPr id="80" name="Speech Bubble: Rectangle 79">
@@ -6824,7 +6929,7 @@
                       <a:schemeClr val="tx1"/>
                     </a:solidFill>
                   </a:rPr>
-                  <a:t>Divided into ‘pixels’ with size </a:t>
+                  <a:t>Divided into cells (‘pixels’) with size </a:t>
                 </a:r>
                 <a14:m>
                   <m:oMath xmlns:m="http://schemas.openxmlformats.org/officeDocument/2006/math">
@@ -6840,17 +6945,6 @@
                         </m:ctrlPr>
                       </m:fPr>
                       <m:num>
-                        <m:r>
-                          <a:rPr lang="en-GB" sz="2400" b="0" i="1" smtClean="0">
-                            <a:solidFill>
-                              <a:schemeClr val="tx1"/>
-                            </a:solidFill>
-                            <a:latin typeface="Cambria Math" panose="02040503050406030204" pitchFamily="18" charset="0"/>
-                          </a:rPr>
-                          <m:t>𝑟𝑒𝑠𝑜𝑙𝑢𝑡𝑖𝑜𝑛</m:t>
-                        </m:r>
-                      </m:num>
-                      <m:den>
                         <m:r>
                           <a:rPr lang="en-GB" sz="2400" b="0" i="1" smtClean="0">
                             <a:solidFill>
@@ -6896,6 +6990,35 @@
                           </a:rPr>
                           <m:t>𝑑𝑖𝑚𝑒𝑛𝑠𝑖𝑜𝑛</m:t>
                         </m:r>
+                      </m:num>
+                      <m:den>
+                        <m:r>
+                          <a:rPr lang="en-GB" sz="2400" b="0" i="1" smtClean="0">
+                            <a:solidFill>
+                              <a:schemeClr val="tx1"/>
+                            </a:solidFill>
+                            <a:latin typeface="Cambria Math" panose="02040503050406030204" pitchFamily="18" charset="0"/>
+                          </a:rPr>
+                          <m:t>𝑖𝑚𝑎𝑔𝑒</m:t>
+                        </m:r>
+                        <m:r>
+                          <a:rPr lang="en-GB" sz="2400" b="0" i="1" smtClean="0">
+                            <a:solidFill>
+                              <a:schemeClr val="tx1"/>
+                            </a:solidFill>
+                            <a:latin typeface="Cambria Math" panose="02040503050406030204" pitchFamily="18" charset="0"/>
+                          </a:rPr>
+                          <m:t> </m:t>
+                        </m:r>
+                        <m:r>
+                          <a:rPr lang="en-GB" sz="2400" b="0" i="1" smtClean="0">
+                            <a:solidFill>
+                              <a:schemeClr val="tx1"/>
+                            </a:solidFill>
+                            <a:latin typeface="Cambria Math" panose="02040503050406030204" pitchFamily="18" charset="0"/>
+                          </a:rPr>
+                          <m:t>𝑟𝑒𝑠𝑜𝑙𝑢𝑡𝑖𝑜𝑛</m:t>
+                        </m:r>
                       </m:den>
                     </m:f>
                   </m:oMath>
@@ -6909,7 +7032,7 @@
             </p:txBody>
           </p:sp>
         </mc:Choice>
-        <mc:Fallback xmlns="">
+        <mc:Fallback>
           <p:sp>
             <p:nvSpPr>
               <p:cNvPr id="80" name="Speech Bubble: Rectangle 79">
@@ -7578,30 +7701,21 @@
                             </p:childTnLst>
                           </p:cTn>
                         </p:par>
-                      </p:childTnLst>
-                    </p:cTn>
-                  </p:par>
-                  <p:par>
-                    <p:cTn id="45" fill="hold">
-                      <p:stCondLst>
-                        <p:cond delay="indefinite"/>
-                      </p:stCondLst>
-                      <p:childTnLst>
                         <p:par>
-                          <p:cTn id="46" fill="hold">
+                          <p:cTn id="45" fill="hold">
                             <p:stCondLst>
-                              <p:cond delay="0"/>
+                              <p:cond delay="500"/>
                             </p:stCondLst>
                             <p:childTnLst>
                               <p:par>
-                                <p:cTn id="47" presetID="10" presetClass="entr" presetSubtype="0" fill="hold" nodeType="clickEffect">
+                                <p:cTn id="46" presetID="10" presetClass="entr" presetSubtype="0" fill="hold" nodeType="afterEffect">
                                   <p:stCondLst>
                                     <p:cond delay="0"/>
                                   </p:stCondLst>
                                   <p:childTnLst>
                                     <p:set>
                                       <p:cBhvr>
-                                        <p:cTn id="48" dur="1" fill="hold">
+                                        <p:cTn id="47" dur="1" fill="hold">
                                           <p:stCondLst>
                                             <p:cond delay="0"/>
                                           </p:stCondLst>
@@ -7619,7 +7733,7 @@
                                     </p:set>
                                     <p:animEffect transition="in" filter="fade">
                                       <p:cBhvr>
-                                        <p:cTn id="49" dur="500"/>
+                                        <p:cTn id="48" dur="500"/>
                                         <p:tgtEl>
                                           <p:spTgt spid="73"/>
                                         </p:tgtEl>
@@ -7631,30 +7745,21 @@
                             </p:childTnLst>
                           </p:cTn>
                         </p:par>
-                      </p:childTnLst>
-                    </p:cTn>
-                  </p:par>
-                  <p:par>
-                    <p:cTn id="50" fill="hold">
-                      <p:stCondLst>
-                        <p:cond delay="indefinite"/>
-                      </p:stCondLst>
-                      <p:childTnLst>
                         <p:par>
-                          <p:cTn id="51" fill="hold">
+                          <p:cTn id="49" fill="hold">
                             <p:stCondLst>
-                              <p:cond delay="0"/>
+                              <p:cond delay="1000"/>
                             </p:stCondLst>
                             <p:childTnLst>
                               <p:par>
-                                <p:cTn id="52" presetID="10" presetClass="entr" presetSubtype="0" fill="hold" nodeType="clickEffect">
+                                <p:cTn id="50" presetID="10" presetClass="entr" presetSubtype="0" fill="hold" nodeType="afterEffect">
                                   <p:stCondLst>
                                     <p:cond delay="0"/>
                                   </p:stCondLst>
                                   <p:childTnLst>
                                     <p:set>
                                       <p:cBhvr>
-                                        <p:cTn id="53" dur="1" fill="hold">
+                                        <p:cTn id="51" dur="1" fill="hold">
                                           <p:stCondLst>
                                             <p:cond delay="0"/>
                                           </p:stCondLst>
@@ -7672,7 +7777,7 @@
                                     </p:set>
                                     <p:animEffect transition="in" filter="fade">
                                       <p:cBhvr>
-                                        <p:cTn id="54" dur="500"/>
+                                        <p:cTn id="52" dur="500"/>
                                         <p:tgtEl>
                                           <p:spTgt spid="74"/>
                                         </p:tgtEl>
@@ -7688,26 +7793,26 @@
                     </p:cTn>
                   </p:par>
                   <p:par>
-                    <p:cTn id="55" fill="hold">
+                    <p:cTn id="53" fill="hold">
                       <p:stCondLst>
                         <p:cond delay="indefinite"/>
                       </p:stCondLst>
                       <p:childTnLst>
                         <p:par>
-                          <p:cTn id="56" fill="hold">
+                          <p:cTn id="54" fill="hold">
                             <p:stCondLst>
                               <p:cond delay="0"/>
                             </p:stCondLst>
                             <p:childTnLst>
                               <p:par>
-                                <p:cTn id="57" presetID="10" presetClass="entr" presetSubtype="0" fill="hold" nodeType="clickEffect">
+                                <p:cTn id="55" presetID="10" presetClass="entr" presetSubtype="0" fill="hold" nodeType="clickEffect">
                                   <p:stCondLst>
                                     <p:cond delay="0"/>
                                   </p:stCondLst>
                                   <p:childTnLst>
                                     <p:set>
                                       <p:cBhvr>
-                                        <p:cTn id="58" dur="1" fill="hold">
+                                        <p:cTn id="56" dur="1" fill="hold">
                                           <p:stCondLst>
                                             <p:cond delay="0"/>
                                           </p:stCondLst>
@@ -7725,7 +7830,7 @@
                                     </p:set>
                                     <p:animEffect transition="in" filter="fade">
                                       <p:cBhvr>
-                                        <p:cTn id="59" dur="500"/>
+                                        <p:cTn id="57" dur="500"/>
                                         <p:tgtEl>
                                           <p:spTgt spid="75"/>
                                         </p:tgtEl>
@@ -7735,14 +7840,14 @@
                                 </p:cTn>
                               </p:par>
                               <p:par>
-                                <p:cTn id="60" presetID="10" presetClass="entr" presetSubtype="0" fill="hold" grpId="0" nodeType="withEffect">
+                                <p:cTn id="58" presetID="10" presetClass="entr" presetSubtype="0" fill="hold" grpId="0" nodeType="withEffect">
                                   <p:stCondLst>
                                     <p:cond delay="0"/>
                                   </p:stCondLst>
                                   <p:childTnLst>
                                     <p:set>
                                       <p:cBhvr>
-                                        <p:cTn id="61" dur="1" fill="hold">
+                                        <p:cTn id="59" dur="1" fill="hold">
                                           <p:stCondLst>
                                             <p:cond delay="0"/>
                                           </p:stCondLst>
@@ -7760,7 +7865,7 @@
                                     </p:set>
                                     <p:animEffect transition="in" filter="fade">
                                       <p:cBhvr>
-                                        <p:cTn id="62" dur="500"/>
+                                        <p:cTn id="60" dur="500"/>
                                         <p:tgtEl>
                                           <p:spTgt spid="79"/>
                                         </p:tgtEl>
@@ -9732,30 +9837,21 @@
                             </p:childTnLst>
                           </p:cTn>
                         </p:par>
-                      </p:childTnLst>
-                    </p:cTn>
-                  </p:par>
-                  <p:par>
-                    <p:cTn id="18" fill="hold">
-                      <p:stCondLst>
-                        <p:cond delay="indefinite"/>
-                      </p:stCondLst>
-                      <p:childTnLst>
                         <p:par>
-                          <p:cTn id="19" fill="hold">
+                          <p:cTn id="18" fill="hold">
                             <p:stCondLst>
-                              <p:cond delay="0"/>
+                              <p:cond delay="500"/>
                             </p:stCondLst>
                             <p:childTnLst>
                               <p:par>
-                                <p:cTn id="20" presetID="10" presetClass="entr" presetSubtype="0" fill="hold" grpId="0" nodeType="clickEffect">
+                                <p:cTn id="19" presetID="10" presetClass="entr" presetSubtype="0" fill="hold" grpId="0" nodeType="afterEffect">
                                   <p:stCondLst>
                                     <p:cond delay="0"/>
                                   </p:stCondLst>
                                   <p:childTnLst>
                                     <p:set>
                                       <p:cBhvr>
-                                        <p:cTn id="21" dur="1" fill="hold">
+                                        <p:cTn id="20" dur="1" fill="hold">
                                           <p:stCondLst>
                                             <p:cond delay="0"/>
                                           </p:stCondLst>
@@ -9773,7 +9869,7 @@
                                     </p:set>
                                     <p:animEffect transition="in" filter="fade">
                                       <p:cBhvr>
-                                        <p:cTn id="22" dur="500"/>
+                                        <p:cTn id="21" dur="500"/>
                                         <p:tgtEl>
                                           <p:spTgt spid="88"/>
                                         </p:tgtEl>
